--- a/slides/K8S-com-Piloto-Automatico.pptx
+++ b/slides/K8S-com-Piloto-Automatico.pptx
@@ -21,16 +21,17 @@
     <p:sldId id="266" r:id="rId16"/>
     <p:sldId id="267" r:id="rId17"/>
     <p:sldId id="268" r:id="rId18"/>
+    <p:sldId id="269" r:id="rId19"/>
   </p:sldIdLst>
   <p:sldSz cy="5143500" cx="9144000"/>
   <p:notesSz cx="6858000" cy="9144000"/>
   <p:embeddedFontLst>
     <p:embeddedFont>
       <p:font typeface="Nunito"/>
-      <p:regular r:id="rId19"/>
-      <p:bold r:id="rId20"/>
-      <p:italic r:id="rId21"/>
-      <p:boldItalic r:id="rId22"/>
+      <p:regular r:id="rId20"/>
+      <p:bold r:id="rId21"/>
+      <p:italic r:id="rId22"/>
+      <p:boldItalic r:id="rId23"/>
     </p:embeddedFont>
   </p:embeddedFontLst>
   <p:defaultTextStyle>
@@ -825,7 +826,7 @@
       </p:grpSpPr>
       <p:sp>
         <p:nvSpPr>
-          <p:cNvPr id="175" name="Google Shape;175;g2577fa36ffa_0_2030:notes"/>
+          <p:cNvPr id="175" name="Google Shape;175;g2577fa36ffa_0_2021:notes"/>
           <p:cNvSpPr/>
           <p:nvPr>
             <p:ph idx="2" type="sldImg"/>
@@ -860,7 +861,7 @@
       </p:sp>
       <p:sp>
         <p:nvSpPr>
-          <p:cNvPr id="176" name="Google Shape;176;g2577fa36ffa_0_2030:notes"/>
+          <p:cNvPr id="176" name="Google Shape;176;g2577fa36ffa_0_2021:notes"/>
           <p:cNvSpPr txBox="1"/>
           <p:nvPr>
             <p:ph idx="1" type="body"/>
@@ -924,7 +925,7 @@
       </p:grpSpPr>
       <p:sp>
         <p:nvSpPr>
-          <p:cNvPr id="180" name="Google Shape;180;g2577fa36ffa_0_2035:notes"/>
+          <p:cNvPr id="180" name="Google Shape;180;g2577fa36ffa_0_2030:notes"/>
           <p:cNvSpPr/>
           <p:nvPr>
             <p:ph idx="2" type="sldImg"/>
@@ -959,7 +960,7 @@
       </p:sp>
       <p:sp>
         <p:nvSpPr>
-          <p:cNvPr id="181" name="Google Shape;181;g2577fa36ffa_0_2035:notes"/>
+          <p:cNvPr id="181" name="Google Shape;181;g2577fa36ffa_0_2030:notes"/>
           <p:cNvSpPr txBox="1"/>
           <p:nvPr>
             <p:ph idx="1" type="body"/>
@@ -1023,7 +1024,7 @@
       </p:grpSpPr>
       <p:sp>
         <p:nvSpPr>
-          <p:cNvPr id="185" name="Google Shape;185;g2577fa36ffa_0_2012:notes"/>
+          <p:cNvPr id="185" name="Google Shape;185;g2577fa36ffa_0_2035:notes"/>
           <p:cNvSpPr/>
           <p:nvPr>
             <p:ph idx="2" type="sldImg"/>
@@ -1058,7 +1059,7 @@
       </p:sp>
       <p:sp>
         <p:nvSpPr>
-          <p:cNvPr id="186" name="Google Shape;186;g2577fa36ffa_0_2012:notes"/>
+          <p:cNvPr id="186" name="Google Shape;186;g2577fa36ffa_0_2035:notes"/>
           <p:cNvSpPr txBox="1"/>
           <p:nvPr>
             <p:ph idx="1" type="body"/>
@@ -1122,7 +1123,7 @@
       </p:grpSpPr>
       <p:sp>
         <p:nvSpPr>
-          <p:cNvPr id="190" name="Google Shape;190;g2577fa36ffa_0_2026:notes"/>
+          <p:cNvPr id="190" name="Google Shape;190;g2577fa36ffa_0_2012:notes"/>
           <p:cNvSpPr/>
           <p:nvPr>
             <p:ph idx="2" type="sldImg"/>
@@ -1157,7 +1158,106 @@
       </p:sp>
       <p:sp>
         <p:nvSpPr>
-          <p:cNvPr id="191" name="Google Shape;191;g2577fa36ffa_0_2026:notes"/>
+          <p:cNvPr id="191" name="Google Shape;191;g2577fa36ffa_0_2012:notes"/>
+          <p:cNvSpPr txBox="1"/>
+          <p:nvPr>
+            <p:ph idx="1" type="body"/>
+          </p:nvPr>
+        </p:nvSpPr>
+        <p:spPr>
+          <a:xfrm>
+            <a:off x="685800" y="4343400"/>
+            <a:ext cx="5486400" cy="4114800"/>
+          </a:xfrm>
+          <a:prstGeom prst="rect">
+            <a:avLst/>
+          </a:prstGeom>
+        </p:spPr>
+        <p:txBody>
+          <a:bodyPr anchorCtr="0" anchor="t" bIns="91425" lIns="91425" spcFirstLastPara="1" rIns="91425" wrap="square" tIns="91425">
+            <a:noAutofit/>
+          </a:bodyPr>
+          <a:lstStyle/>
+          <a:p>
+            <a:pPr indent="0" lvl="0" marL="0" rtl="0" algn="l">
+              <a:spcBef>
+                <a:spcPts val="0"/>
+              </a:spcBef>
+              <a:spcAft>
+                <a:spcPts val="0"/>
+              </a:spcAft>
+              <a:buNone/>
+            </a:pPr>
+            <a:r>
+              <a:t/>
+            </a:r>
+            <a:endParaRPr/>
+          </a:p>
+        </p:txBody>
+      </p:sp>
+    </p:spTree>
+  </p:cSld>
+  <p:clrMapOvr>
+    <a:masterClrMapping/>
+  </p:clrMapOvr>
+</p:notes>
+</file>
+
+<file path=ppt/notesSlides/notesSlide14.xml><?xml version="1.0" encoding="utf-8"?>
+<p:notes xmlns:a="http://schemas.openxmlformats.org/drawingml/2006/main" xmlns:r="http://schemas.openxmlformats.org/officeDocument/2006/relationships" xmlns:mc="http://schemas.openxmlformats.org/markup-compatibility/2006" xmlns:mv="urn:schemas-microsoft-com:mac:vml" xmlns:p="http://schemas.openxmlformats.org/presentationml/2006/main" xmlns:c="http://schemas.openxmlformats.org/drawingml/2006/chart" xmlns:dgm="http://schemas.openxmlformats.org/drawingml/2006/diagram" xmlns:o="urn:schemas-microsoft-com:office:office" xmlns:v="urn:schemas-microsoft-com:vml" xmlns:pvml="urn:schemas-microsoft-com:office:powerpoint" xmlns:com="http://schemas.openxmlformats.org/drawingml/2006/compatibility" xmlns:p14="http://schemas.microsoft.com/office/powerpoint/2010/main" xmlns:p15="http://schemas.microsoft.com/office/powerpoint/2012/main" xmlns:ahyp="http://schemas.microsoft.com/office/drawing/2018/hyperlinkcolor" showMasterPhAnim="0" showMasterSp="0">
+  <p:cSld>
+    <p:spTree>
+      <p:nvGrpSpPr>
+        <p:cNvPr id="194" name="Shape 194"/>
+        <p:cNvGrpSpPr/>
+        <p:nvPr/>
+      </p:nvGrpSpPr>
+      <p:grpSpPr>
+        <a:xfrm>
+          <a:off x="0" y="0"/>
+          <a:ext cx="0" cy="0"/>
+          <a:chOff x="0" y="0"/>
+          <a:chExt cx="0" cy="0"/>
+        </a:xfrm>
+      </p:grpSpPr>
+      <p:sp>
+        <p:nvSpPr>
+          <p:cNvPr id="195" name="Google Shape;195;g2577fa36ffa_0_2026:notes"/>
+          <p:cNvSpPr/>
+          <p:nvPr>
+            <p:ph idx="2" type="sldImg"/>
+          </p:nvPr>
+        </p:nvSpPr>
+        <p:spPr>
+          <a:xfrm>
+            <a:off x="381300" y="685800"/>
+            <a:ext cx="6096000" cy="3429000"/>
+          </a:xfrm>
+          <a:custGeom>
+            <a:rect b="b" l="l" r="r" t="t"/>
+            <a:pathLst>
+              <a:path extrusionOk="0" h="120000" w="120000">
+                <a:moveTo>
+                  <a:pt x="0" y="0"/>
+                </a:moveTo>
+                <a:lnTo>
+                  <a:pt x="120000" y="0"/>
+                </a:lnTo>
+                <a:lnTo>
+                  <a:pt x="120000" y="120000"/>
+                </a:lnTo>
+                <a:lnTo>
+                  <a:pt x="0" y="120000"/>
+                </a:lnTo>
+                <a:close/>
+              </a:path>
+            </a:pathLst>
+          </a:custGeom>
+        </p:spPr>
+      </p:sp>
+      <p:sp>
+        <p:nvSpPr>
+          <p:cNvPr id="196" name="Google Shape;196;g2577fa36ffa_0_2026:notes"/>
           <p:cNvSpPr txBox="1"/>
           <p:nvPr>
             <p:ph idx="1" type="body"/>
@@ -1320,7 +1420,7 @@
       </p:grpSpPr>
       <p:sp>
         <p:nvSpPr>
-          <p:cNvPr id="138" name="Google Shape;138;g2577fa36ffa_0_770:notes"/>
+          <p:cNvPr id="138" name="Google Shape;138;g2578587201f_1_0:notes"/>
           <p:cNvSpPr/>
           <p:nvPr>
             <p:ph idx="2" type="sldImg"/>
@@ -1355,7 +1455,7 @@
       </p:sp>
       <p:sp>
         <p:nvSpPr>
-          <p:cNvPr id="139" name="Google Shape;139;g2577fa36ffa_0_770:notes"/>
+          <p:cNvPr id="139" name="Google Shape;139;g2578587201f_1_0:notes"/>
           <p:cNvSpPr txBox="1"/>
           <p:nvPr>
             <p:ph idx="1" type="body"/>
@@ -1419,7 +1519,7 @@
       </p:grpSpPr>
       <p:sp>
         <p:nvSpPr>
-          <p:cNvPr id="143" name="Google Shape;143;g2577fa36ffa_0_1970:notes"/>
+          <p:cNvPr id="143" name="Google Shape;143;g2577fa36ffa_0_770:notes"/>
           <p:cNvSpPr/>
           <p:nvPr>
             <p:ph idx="2" type="sldImg"/>
@@ -1454,7 +1554,7 @@
       </p:sp>
       <p:sp>
         <p:nvSpPr>
-          <p:cNvPr id="144" name="Google Shape;144;g2577fa36ffa_0_1970:notes"/>
+          <p:cNvPr id="144" name="Google Shape;144;g2577fa36ffa_0_770:notes"/>
           <p:cNvSpPr txBox="1"/>
           <p:nvPr>
             <p:ph idx="1" type="body"/>
@@ -1504,7 +1604,7 @@
   <p:cSld>
     <p:spTree>
       <p:nvGrpSpPr>
-        <p:cNvPr id="148" name="Shape 148"/>
+        <p:cNvPr id="147" name="Shape 147"/>
         <p:cNvGrpSpPr/>
         <p:nvPr/>
       </p:nvGrpSpPr>
@@ -1518,7 +1618,7 @@
       </p:grpSpPr>
       <p:sp>
         <p:nvSpPr>
-          <p:cNvPr id="149" name="Google Shape;149;g2577fa36ffa_0_1982:notes"/>
+          <p:cNvPr id="148" name="Google Shape;148;g2577fa36ffa_0_1970:notes"/>
           <p:cNvSpPr/>
           <p:nvPr>
             <p:ph idx="2" type="sldImg"/>
@@ -1553,7 +1653,7 @@
       </p:sp>
       <p:sp>
         <p:nvSpPr>
-          <p:cNvPr id="150" name="Google Shape;150;g2577fa36ffa_0_1982:notes"/>
+          <p:cNvPr id="149" name="Google Shape;149;g2577fa36ffa_0_1970:notes"/>
           <p:cNvSpPr txBox="1"/>
           <p:nvPr>
             <p:ph idx="1" type="body"/>
@@ -1603,7 +1703,7 @@
   <p:cSld>
     <p:spTree>
       <p:nvGrpSpPr>
-        <p:cNvPr id="154" name="Shape 154"/>
+        <p:cNvPr id="153" name="Shape 153"/>
         <p:cNvGrpSpPr/>
         <p:nvPr/>
       </p:nvGrpSpPr>
@@ -1617,7 +1717,7 @@
       </p:grpSpPr>
       <p:sp>
         <p:nvSpPr>
-          <p:cNvPr id="155" name="Google Shape;155;g2577fa36ffa_0_2017:notes"/>
+          <p:cNvPr id="154" name="Google Shape;154;g2577fa36ffa_0_1982:notes"/>
           <p:cNvSpPr/>
           <p:nvPr>
             <p:ph idx="2" type="sldImg"/>
@@ -1652,7 +1752,7 @@
       </p:sp>
       <p:sp>
         <p:nvSpPr>
-          <p:cNvPr id="156" name="Google Shape;156;g2577fa36ffa_0_2017:notes"/>
+          <p:cNvPr id="155" name="Google Shape;155;g2577fa36ffa_0_1982:notes"/>
           <p:cNvSpPr txBox="1"/>
           <p:nvPr>
             <p:ph idx="1" type="body"/>
@@ -1716,7 +1816,7 @@
       </p:grpSpPr>
       <p:sp>
         <p:nvSpPr>
-          <p:cNvPr id="160" name="Google Shape;160;g2577fa36ffa_0_1987:notes"/>
+          <p:cNvPr id="160" name="Google Shape;160;g2577fa36ffa_0_2017:notes"/>
           <p:cNvSpPr/>
           <p:nvPr>
             <p:ph idx="2" type="sldImg"/>
@@ -1751,7 +1851,7 @@
       </p:sp>
       <p:sp>
         <p:nvSpPr>
-          <p:cNvPr id="161" name="Google Shape;161;g2577fa36ffa_0_1987:notes"/>
+          <p:cNvPr id="161" name="Google Shape;161;g2577fa36ffa_0_2017:notes"/>
           <p:cNvSpPr txBox="1"/>
           <p:nvPr>
             <p:ph idx="1" type="body"/>
@@ -1815,7 +1915,7 @@
       </p:grpSpPr>
       <p:sp>
         <p:nvSpPr>
-          <p:cNvPr id="165" name="Google Shape;165;g2577fa36ffa_0_1995:notes"/>
+          <p:cNvPr id="165" name="Google Shape;165;g2577fa36ffa_0_1987:notes"/>
           <p:cNvSpPr/>
           <p:nvPr>
             <p:ph idx="2" type="sldImg"/>
@@ -1850,7 +1950,7 @@
       </p:sp>
       <p:sp>
         <p:nvSpPr>
-          <p:cNvPr id="166" name="Google Shape;166;g2577fa36ffa_0_1995:notes"/>
+          <p:cNvPr id="166" name="Google Shape;166;g2577fa36ffa_0_1987:notes"/>
           <p:cNvSpPr txBox="1"/>
           <p:nvPr>
             <p:ph idx="1" type="body"/>
@@ -1914,7 +2014,7 @@
       </p:grpSpPr>
       <p:sp>
         <p:nvSpPr>
-          <p:cNvPr id="170" name="Google Shape;170;g2577fa36ffa_0_2021:notes"/>
+          <p:cNvPr id="170" name="Google Shape;170;g2577fa36ffa_0_1995:notes"/>
           <p:cNvSpPr/>
           <p:nvPr>
             <p:ph idx="2" type="sldImg"/>
@@ -1949,7 +2049,7 @@
       </p:sp>
       <p:sp>
         <p:nvSpPr>
-          <p:cNvPr id="171" name="Google Shape;171;g2577fa36ffa_0_2021:notes"/>
+          <p:cNvPr id="171" name="Google Shape;171;g2577fa36ffa_0_1995:notes"/>
           <p:cNvSpPr txBox="1"/>
           <p:nvPr>
             <p:ph idx="1" type="body"/>
@@ -10204,8 +10304,8 @@
         </p:blipFill>
         <p:spPr>
           <a:xfrm>
-            <a:off x="1778575" y="1059774"/>
-            <a:ext cx="5717574" cy="2851650"/>
+            <a:off x="2632900" y="727850"/>
+            <a:ext cx="3878200" cy="3687800"/>
           </a:xfrm>
           <a:prstGeom prst="rect">
             <a:avLst/>
@@ -10257,8 +10357,8 @@
         </p:blipFill>
         <p:spPr>
           <a:xfrm>
-            <a:off x="2362763" y="362526"/>
-            <a:ext cx="4418476" cy="4418450"/>
+            <a:off x="1778575" y="1059774"/>
+            <a:ext cx="5717574" cy="2851650"/>
           </a:xfrm>
           <a:prstGeom prst="rect">
             <a:avLst/>
@@ -10294,47 +10394,34 @@
           <a:chExt cx="0" cy="0"/>
         </a:xfrm>
       </p:grpSpPr>
-      <p:sp>
-        <p:nvSpPr>
+      <p:pic>
+        <p:nvPicPr>
           <p:cNvPr id="188" name="Google Shape;188;p24"/>
-          <p:cNvSpPr txBox="1"/>
-          <p:nvPr>
-            <p:ph type="ctrTitle"/>
-          </p:nvPr>
-        </p:nvSpPr>
+          <p:cNvPicPr preferRelativeResize="0"/>
+          <p:nvPr/>
+        </p:nvPicPr>
+        <p:blipFill>
+          <a:blip r:embed="rId3">
+            <a:alphaModFix/>
+          </a:blip>
+          <a:stretch>
+            <a:fillRect/>
+          </a:stretch>
+        </p:blipFill>
         <p:spPr>
           <a:xfrm>
-            <a:off x="1858703" y="1822833"/>
-            <a:ext cx="5361300" cy="1448100"/>
+            <a:off x="2362763" y="362526"/>
+            <a:ext cx="4418476" cy="4418450"/>
           </a:xfrm>
           <a:prstGeom prst="rect">
             <a:avLst/>
           </a:prstGeom>
+          <a:noFill/>
+          <a:ln>
+            <a:noFill/>
+          </a:ln>
         </p:spPr>
-        <p:txBody>
-          <a:bodyPr anchorCtr="0" anchor="ctr" bIns="91425" lIns="91425" spcFirstLastPara="1" rIns="91425" wrap="square" tIns="91425">
-            <a:noAutofit/>
-          </a:bodyPr>
-          <a:lstStyle/>
-          <a:p>
-            <a:pPr indent="0" lvl="0" marL="0" rtl="0" algn="ctr">
-              <a:spcBef>
-                <a:spcPts val="0"/>
-              </a:spcBef>
-              <a:spcAft>
-                <a:spcPts val="0"/>
-              </a:spcAft>
-              <a:buSzPts val="990"/>
-              <a:buNone/>
-            </a:pPr>
-            <a:r>
-              <a:rPr lang="pt-BR" sz="5280"/>
-              <a:t>NA MASSA!</a:t>
-            </a:r>
-            <a:endParaRPr sz="5280"/>
-          </a:p>
-        </p:txBody>
-      </p:sp>
+      </p:pic>
     </p:spTree>
   </p:cSld>
   <p:clrMapOvr>
@@ -10363,6 +10450,72 @@
       <p:sp>
         <p:nvSpPr>
           <p:cNvPr id="193" name="Google Shape;193;p25"/>
+          <p:cNvSpPr txBox="1"/>
+          <p:nvPr>
+            <p:ph type="ctrTitle"/>
+          </p:nvPr>
+        </p:nvSpPr>
+        <p:spPr>
+          <a:xfrm>
+            <a:off x="1858703" y="1822833"/>
+            <a:ext cx="5361300" cy="1448100"/>
+          </a:xfrm>
+          <a:prstGeom prst="rect">
+            <a:avLst/>
+          </a:prstGeom>
+        </p:spPr>
+        <p:txBody>
+          <a:bodyPr anchorCtr="0" anchor="ctr" bIns="91425" lIns="91425" spcFirstLastPara="1" rIns="91425" wrap="square" tIns="91425">
+            <a:noAutofit/>
+          </a:bodyPr>
+          <a:lstStyle/>
+          <a:p>
+            <a:pPr indent="0" lvl="0" marL="0" rtl="0" algn="ctr">
+              <a:spcBef>
+                <a:spcPts val="0"/>
+              </a:spcBef>
+              <a:spcAft>
+                <a:spcPts val="0"/>
+              </a:spcAft>
+              <a:buSzPts val="990"/>
+              <a:buNone/>
+            </a:pPr>
+            <a:r>
+              <a:rPr lang="pt-BR" sz="5280"/>
+              <a:t>NA MASSA!</a:t>
+            </a:r>
+            <a:endParaRPr sz="5280"/>
+          </a:p>
+        </p:txBody>
+      </p:sp>
+    </p:spTree>
+  </p:cSld>
+  <p:clrMapOvr>
+    <a:masterClrMapping/>
+  </p:clrMapOvr>
+</p:sld>
+</file>
+
+<file path=ppt/slides/slide14.xml><?xml version="1.0" encoding="utf-8"?>
+<p:sld xmlns:a="http://schemas.openxmlformats.org/drawingml/2006/main" xmlns:r="http://schemas.openxmlformats.org/officeDocument/2006/relationships" xmlns:mc="http://schemas.openxmlformats.org/markup-compatibility/2006" xmlns:mv="urn:schemas-microsoft-com:mac:vml" xmlns:p="http://schemas.openxmlformats.org/presentationml/2006/main" xmlns:c="http://schemas.openxmlformats.org/drawingml/2006/chart" xmlns:dgm="http://schemas.openxmlformats.org/drawingml/2006/diagram" xmlns:o="urn:schemas-microsoft-com:office:office" xmlns:v="urn:schemas-microsoft-com:vml" xmlns:pvml="urn:schemas-microsoft-com:office:powerpoint" xmlns:com="http://schemas.openxmlformats.org/drawingml/2006/compatibility" xmlns:p14="http://schemas.microsoft.com/office/powerpoint/2010/main" xmlns:p15="http://schemas.microsoft.com/office/powerpoint/2012/main" xmlns:ahyp="http://schemas.microsoft.com/office/drawing/2018/hyperlinkcolor">
+  <p:cSld>
+    <p:spTree>
+      <p:nvGrpSpPr>
+        <p:cNvPr id="197" name="Shape 197"/>
+        <p:cNvGrpSpPr/>
+        <p:nvPr/>
+      </p:nvGrpSpPr>
+      <p:grpSpPr>
+        <a:xfrm>
+          <a:off x="0" y="0"/>
+          <a:ext cx="0" cy="0"/>
+          <a:chOff x="0" y="0"/>
+          <a:chExt cx="0" cy="0"/>
+        </a:xfrm>
+      </p:grpSpPr>
+      <p:sp>
+        <p:nvSpPr>
+          <p:cNvPr id="198" name="Google Shape;198;p26"/>
           <p:cNvSpPr txBox="1"/>
           <p:nvPr>
             <p:ph type="ctrTitle"/>
@@ -10825,34 +10978,97 @@
           <a:chExt cx="0" cy="0"/>
         </a:xfrm>
       </p:grpSpPr>
-      <p:pic>
-        <p:nvPicPr>
+      <p:sp>
+        <p:nvSpPr>
           <p:cNvPr id="141" name="Google Shape;141;p15"/>
-          <p:cNvPicPr preferRelativeResize="0"/>
-          <p:nvPr/>
-        </p:nvPicPr>
-        <p:blipFill>
-          <a:blip r:embed="rId3">
-            <a:alphaModFix/>
-          </a:blip>
-          <a:stretch>
-            <a:fillRect/>
-          </a:stretch>
-        </p:blipFill>
+          <p:cNvSpPr txBox="1"/>
+          <p:nvPr>
+            <p:ph type="title"/>
+          </p:nvPr>
+        </p:nvSpPr>
         <p:spPr>
           <a:xfrm>
-            <a:off x="959300" y="854950"/>
-            <a:ext cx="7090826" cy="3545425"/>
+            <a:off x="639500" y="1301150"/>
+            <a:ext cx="7820100" cy="2539200"/>
           </a:xfrm>
           <a:prstGeom prst="rect">
             <a:avLst/>
           </a:prstGeom>
-          <a:noFill/>
-          <a:ln>
-            <a:noFill/>
-          </a:ln>
         </p:spPr>
-      </p:pic>
+        <p:txBody>
+          <a:bodyPr anchorCtr="0" anchor="ctr" bIns="91425" lIns="91425" spcFirstLastPara="1" rIns="91425" wrap="square" tIns="91425">
+            <a:normAutofit/>
+          </a:bodyPr>
+          <a:lstStyle/>
+          <a:p>
+            <a:pPr indent="0" lvl="0" marL="0" rtl="0" algn="ctr">
+              <a:spcBef>
+                <a:spcPts val="0"/>
+              </a:spcBef>
+              <a:spcAft>
+                <a:spcPts val="0"/>
+              </a:spcAft>
+              <a:buNone/>
+            </a:pPr>
+            <a:r>
+              <a:rPr lang="pt-BR"/>
+              <a:t>Slides e Demos:</a:t>
+            </a:r>
+            <a:endParaRPr/>
+          </a:p>
+          <a:p>
+            <a:pPr indent="0" lvl="0" marL="0" rtl="0" algn="ctr">
+              <a:spcBef>
+                <a:spcPts val="0"/>
+              </a:spcBef>
+              <a:spcAft>
+                <a:spcPts val="0"/>
+              </a:spcAft>
+              <a:buNone/>
+            </a:pPr>
+            <a:r>
+              <a:t/>
+            </a:r>
+            <a:endParaRPr/>
+          </a:p>
+          <a:p>
+            <a:pPr indent="0" lvl="0" marL="0" rtl="0" algn="ctr">
+              <a:spcBef>
+                <a:spcPts val="0"/>
+              </a:spcBef>
+              <a:spcAft>
+                <a:spcPts val="0"/>
+              </a:spcAft>
+              <a:buNone/>
+            </a:pPr>
+            <a:r>
+              <a:rPr lang="pt-BR" sz="2400" u="sng">
+                <a:solidFill>
+                  <a:schemeClr val="hlink"/>
+                </a:solidFill>
+                <a:hlinkClick r:id="rId3"/>
+              </a:rPr>
+              <a:t>https://github.com/andersonbispos/4Linux-k8s-day</a:t>
+            </a:r>
+            <a:endParaRPr sz="2400"/>
+          </a:p>
+          <a:p>
+            <a:pPr indent="0" lvl="0" marL="0" rtl="0" algn="ctr">
+              <a:spcBef>
+                <a:spcPts val="0"/>
+              </a:spcBef>
+              <a:spcAft>
+                <a:spcPts val="0"/>
+              </a:spcAft>
+              <a:buNone/>
+            </a:pPr>
+            <a:r>
+              <a:t/>
+            </a:r>
+            <a:endParaRPr sz="2400"/>
+          </a:p>
+        </p:txBody>
+      </p:sp>
     </p:spTree>
   </p:cSld>
   <p:clrMapOvr>
@@ -10894,6 +11110,59 @@
         </p:blipFill>
         <p:spPr>
           <a:xfrm>
+            <a:off x="959300" y="854950"/>
+            <a:ext cx="7090826" cy="3545425"/>
+          </a:xfrm>
+          <a:prstGeom prst="rect">
+            <a:avLst/>
+          </a:prstGeom>
+          <a:noFill/>
+          <a:ln>
+            <a:noFill/>
+          </a:ln>
+        </p:spPr>
+      </p:pic>
+    </p:spTree>
+  </p:cSld>
+  <p:clrMapOvr>
+    <a:masterClrMapping/>
+  </p:clrMapOvr>
+</p:sld>
+</file>
+
+<file path=ppt/slides/slide5.xml><?xml version="1.0" encoding="utf-8"?>
+<p:sld xmlns:a="http://schemas.openxmlformats.org/drawingml/2006/main" xmlns:r="http://schemas.openxmlformats.org/officeDocument/2006/relationships" xmlns:mc="http://schemas.openxmlformats.org/markup-compatibility/2006" xmlns:mv="urn:schemas-microsoft-com:mac:vml" xmlns:p="http://schemas.openxmlformats.org/presentationml/2006/main" xmlns:c="http://schemas.openxmlformats.org/drawingml/2006/chart" xmlns:dgm="http://schemas.openxmlformats.org/drawingml/2006/diagram" xmlns:o="urn:schemas-microsoft-com:office:office" xmlns:v="urn:schemas-microsoft-com:vml" xmlns:pvml="urn:schemas-microsoft-com:office:powerpoint" xmlns:com="http://schemas.openxmlformats.org/drawingml/2006/compatibility" xmlns:p14="http://schemas.microsoft.com/office/powerpoint/2010/main" xmlns:p15="http://schemas.microsoft.com/office/powerpoint/2012/main" xmlns:ahyp="http://schemas.microsoft.com/office/drawing/2018/hyperlinkcolor">
+  <p:cSld>
+    <p:spTree>
+      <p:nvGrpSpPr>
+        <p:cNvPr id="150" name="Shape 150"/>
+        <p:cNvGrpSpPr/>
+        <p:nvPr/>
+      </p:nvGrpSpPr>
+      <p:grpSpPr>
+        <a:xfrm>
+          <a:off x="0" y="0"/>
+          <a:ext cx="0" cy="0"/>
+          <a:chOff x="0" y="0"/>
+          <a:chExt cx="0" cy="0"/>
+        </a:xfrm>
+      </p:grpSpPr>
+      <p:pic>
+        <p:nvPicPr>
+          <p:cNvPr id="151" name="Google Shape;151;p17"/>
+          <p:cNvPicPr preferRelativeResize="0"/>
+          <p:nvPr/>
+        </p:nvPicPr>
+        <p:blipFill>
+          <a:blip r:embed="rId3">
+            <a:alphaModFix/>
+          </a:blip>
+          <a:stretch>
+            <a:fillRect/>
+          </a:stretch>
+        </p:blipFill>
+        <p:spPr>
+          <a:xfrm>
             <a:off x="827350" y="1592175"/>
             <a:ext cx="3454876" cy="1727451"/>
           </a:xfrm>
@@ -10908,7 +11177,7 @@
       </p:pic>
       <p:sp>
         <p:nvSpPr>
-          <p:cNvPr id="147" name="Google Shape;147;p16"/>
+          <p:cNvPr id="152" name="Google Shape;152;p17"/>
           <p:cNvSpPr txBox="1"/>
           <p:nvPr/>
         </p:nvSpPr>
@@ -11060,12 +11329,12 @@
 </p:sld>
 </file>
 
-<file path=ppt/slides/slide5.xml><?xml version="1.0" encoding="utf-8"?>
+<file path=ppt/slides/slide6.xml><?xml version="1.0" encoding="utf-8"?>
 <p:sld xmlns:a="http://schemas.openxmlformats.org/drawingml/2006/main" xmlns:r="http://schemas.openxmlformats.org/officeDocument/2006/relationships" xmlns:mc="http://schemas.openxmlformats.org/markup-compatibility/2006" xmlns:mv="urn:schemas-microsoft-com:mac:vml" xmlns:p="http://schemas.openxmlformats.org/presentationml/2006/main" xmlns:c="http://schemas.openxmlformats.org/drawingml/2006/chart" xmlns:dgm="http://schemas.openxmlformats.org/drawingml/2006/diagram" xmlns:o="urn:schemas-microsoft-com:office:office" xmlns:v="urn:schemas-microsoft-com:vml" xmlns:pvml="urn:schemas-microsoft-com:office:powerpoint" xmlns:com="http://schemas.openxmlformats.org/drawingml/2006/compatibility" xmlns:p14="http://schemas.microsoft.com/office/powerpoint/2010/main" xmlns:p15="http://schemas.microsoft.com/office/powerpoint/2012/main" xmlns:ahyp="http://schemas.microsoft.com/office/drawing/2018/hyperlinkcolor">
   <p:cSld>
     <p:spTree>
       <p:nvGrpSpPr>
-        <p:cNvPr id="151" name="Shape 151"/>
+        <p:cNvPr id="156" name="Shape 156"/>
         <p:cNvGrpSpPr/>
         <p:nvPr/>
       </p:nvGrpSpPr>
@@ -11079,7 +11348,7 @@
       </p:grpSpPr>
       <p:pic>
         <p:nvPicPr>
-          <p:cNvPr id="152" name="Google Shape;152;p17"/>
+          <p:cNvPr id="157" name="Google Shape;157;p18"/>
           <p:cNvPicPr preferRelativeResize="0"/>
           <p:nvPr/>
         </p:nvPicPr>
@@ -11107,7 +11376,7 @@
       </p:pic>
       <p:sp>
         <p:nvSpPr>
-          <p:cNvPr id="153" name="Google Shape;153;p17"/>
+          <p:cNvPr id="158" name="Google Shape;158;p18"/>
           <p:cNvSpPr txBox="1"/>
           <p:nvPr/>
         </p:nvSpPr>
@@ -11149,72 +11418,6 @@
               <a:t>https://www.youtube.com/watch?v=63Suartio6Q&amp;t=1942s</a:t>
             </a:r>
             <a:endParaRPr sz="1000"/>
-          </a:p>
-        </p:txBody>
-      </p:sp>
-    </p:spTree>
-  </p:cSld>
-  <p:clrMapOvr>
-    <a:masterClrMapping/>
-  </p:clrMapOvr>
-</p:sld>
-</file>
-
-<file path=ppt/slides/slide6.xml><?xml version="1.0" encoding="utf-8"?>
-<p:sld xmlns:a="http://schemas.openxmlformats.org/drawingml/2006/main" xmlns:r="http://schemas.openxmlformats.org/officeDocument/2006/relationships" xmlns:mc="http://schemas.openxmlformats.org/markup-compatibility/2006" xmlns:mv="urn:schemas-microsoft-com:mac:vml" xmlns:p="http://schemas.openxmlformats.org/presentationml/2006/main" xmlns:c="http://schemas.openxmlformats.org/drawingml/2006/chart" xmlns:dgm="http://schemas.openxmlformats.org/drawingml/2006/diagram" xmlns:o="urn:schemas-microsoft-com:office:office" xmlns:v="urn:schemas-microsoft-com:vml" xmlns:pvml="urn:schemas-microsoft-com:office:powerpoint" xmlns:com="http://schemas.openxmlformats.org/drawingml/2006/compatibility" xmlns:p14="http://schemas.microsoft.com/office/powerpoint/2010/main" xmlns:p15="http://schemas.microsoft.com/office/powerpoint/2012/main" xmlns:ahyp="http://schemas.microsoft.com/office/drawing/2018/hyperlinkcolor">
-  <p:cSld>
-    <p:spTree>
-      <p:nvGrpSpPr>
-        <p:cNvPr id="157" name="Shape 157"/>
-        <p:cNvGrpSpPr/>
-        <p:nvPr/>
-      </p:nvGrpSpPr>
-      <p:grpSpPr>
-        <a:xfrm>
-          <a:off x="0" y="0"/>
-          <a:ext cx="0" cy="0"/>
-          <a:chOff x="0" y="0"/>
-          <a:chExt cx="0" cy="0"/>
-        </a:xfrm>
-      </p:grpSpPr>
-      <p:sp>
-        <p:nvSpPr>
-          <p:cNvPr id="158" name="Google Shape;158;p18"/>
-          <p:cNvSpPr txBox="1"/>
-          <p:nvPr>
-            <p:ph type="ctrTitle"/>
-          </p:nvPr>
-        </p:nvSpPr>
-        <p:spPr>
-          <a:xfrm>
-            <a:off x="1858703" y="1822833"/>
-            <a:ext cx="5361300" cy="1448100"/>
-          </a:xfrm>
-          <a:prstGeom prst="rect">
-            <a:avLst/>
-          </a:prstGeom>
-        </p:spPr>
-        <p:txBody>
-          <a:bodyPr anchorCtr="0" anchor="ctr" bIns="91425" lIns="91425" spcFirstLastPara="1" rIns="91425" wrap="square" tIns="91425">
-            <a:noAutofit/>
-          </a:bodyPr>
-          <a:lstStyle/>
-          <a:p>
-            <a:pPr indent="0" lvl="0" marL="0" rtl="0" algn="ctr">
-              <a:spcBef>
-                <a:spcPts val="0"/>
-              </a:spcBef>
-              <a:spcAft>
-                <a:spcPts val="0"/>
-              </a:spcAft>
-              <a:buSzPts val="990"/>
-              <a:buNone/>
-            </a:pPr>
-            <a:r>
-              <a:rPr lang="pt-BR" sz="5280"/>
-              <a:t>NA MASSA!</a:t>
-            </a:r>
-            <a:endParaRPr sz="5280"/>
           </a:p>
         </p:txBody>
       </p:sp>
@@ -11243,34 +11446,47 @@
           <a:chExt cx="0" cy="0"/>
         </a:xfrm>
       </p:grpSpPr>
-      <p:pic>
-        <p:nvPicPr>
+      <p:sp>
+        <p:nvSpPr>
           <p:cNvPr id="163" name="Google Shape;163;p19"/>
-          <p:cNvPicPr preferRelativeResize="0"/>
-          <p:nvPr/>
-        </p:nvPicPr>
-        <p:blipFill>
-          <a:blip r:embed="rId3">
-            <a:alphaModFix/>
-          </a:blip>
-          <a:stretch>
-            <a:fillRect/>
-          </a:stretch>
-        </p:blipFill>
+          <p:cNvSpPr txBox="1"/>
+          <p:nvPr>
+            <p:ph type="ctrTitle"/>
+          </p:nvPr>
+        </p:nvSpPr>
         <p:spPr>
           <a:xfrm>
-            <a:off x="1842575" y="987250"/>
-            <a:ext cx="5595850" cy="3389025"/>
+            <a:off x="1858703" y="1822833"/>
+            <a:ext cx="5361300" cy="1448100"/>
           </a:xfrm>
           <a:prstGeom prst="rect">
             <a:avLst/>
           </a:prstGeom>
-          <a:noFill/>
-          <a:ln>
-            <a:noFill/>
-          </a:ln>
         </p:spPr>
-      </p:pic>
+        <p:txBody>
+          <a:bodyPr anchorCtr="0" anchor="ctr" bIns="91425" lIns="91425" spcFirstLastPara="1" rIns="91425" wrap="square" tIns="91425">
+            <a:noAutofit/>
+          </a:bodyPr>
+          <a:lstStyle/>
+          <a:p>
+            <a:pPr indent="0" lvl="0" marL="0" rtl="0" algn="ctr">
+              <a:spcBef>
+                <a:spcPts val="0"/>
+              </a:spcBef>
+              <a:spcAft>
+                <a:spcPts val="0"/>
+              </a:spcAft>
+              <a:buSzPts val="990"/>
+              <a:buNone/>
+            </a:pPr>
+            <a:r>
+              <a:rPr lang="pt-BR" sz="5280"/>
+              <a:t>NA MASSA!</a:t>
+            </a:r>
+            <a:endParaRPr sz="5280"/>
+          </a:p>
+        </p:txBody>
+      </p:sp>
     </p:spTree>
   </p:cSld>
   <p:clrMapOvr>
@@ -11312,8 +11528,8 @@
         </p:blipFill>
         <p:spPr>
           <a:xfrm>
-            <a:off x="1185700" y="912688"/>
-            <a:ext cx="6772599" cy="3318126"/>
+            <a:off x="1842575" y="987250"/>
+            <a:ext cx="5595850" cy="3389025"/>
           </a:xfrm>
           <a:prstGeom prst="rect">
             <a:avLst/>
@@ -11365,8 +11581,8 @@
         </p:blipFill>
         <p:spPr>
           <a:xfrm>
-            <a:off x="2632900" y="727850"/>
-            <a:ext cx="3878200" cy="3687800"/>
+            <a:off x="1185700" y="912688"/>
+            <a:ext cx="6772599" cy="3318126"/>
           </a:xfrm>
           <a:prstGeom prst="rect">
             <a:avLst/>
